--- a/data/Siemens/API Showcase - Siemens TIA Portal.pptx
+++ b/data/Siemens/API Showcase - Siemens TIA Portal.pptx
@@ -3827,8 +3827,8 @@
         </p:nvSpPr>
         <p:spPr>
           <a:xfrm>
-            <a:off x="355601" y="2730500"/>
-            <a:ext cx="12293600" cy="6299200"/>
+            <a:off x="3511550" y="2692400"/>
+            <a:ext cx="5981699" cy="6299200"/>
           </a:xfrm>
           <a:prstGeom prst="rect">
             <a:avLst/>
@@ -3847,21 +3847,6 @@
             <a:normAutofit/>
           </a:bodyPr>
           <a:lstStyle/>
-          <a:p>
-            <a:pPr>
-              <a:lnSpc>
-                <a:spcPct val="120000"/>
-              </a:lnSpc>
-              <a:spcBef>
-                <a:spcPts val="4600"/>
-              </a:spcBef>
-              <a:defRPr sz="3800"/>
-            </a:pPr>
-            <a:r>
-              <a:rPr dirty="0"/>
-              <a:t>API</a:t>
-            </a:r>
-          </a:p>
           <a:p>
             <a:pPr marL="520700" indent="-520700" algn="l">
               <a:lnSpc>
@@ -4518,33 +4503,18 @@
               <a:defRPr sz="3200"/>
             </a:pPr>
             <a:r>
-              <a:rPr dirty="0"/>
-              <a:t>EPLAN </a:t>
-            </a:r>
-            <a:r>
-              <a:rPr dirty="0" err="1"/>
-              <a:t>Hilfe</a:t>
-            </a:r>
-            <a:r>
-              <a:rPr dirty="0"/>
-              <a:t>: Actions</a:t>
-            </a:r>
+              <a:rPr lang="de-DE" dirty="0"/>
+              <a:t>TIA Portal Hilfe</a:t>
+            </a:r>
+            <a:endParaRPr dirty="0"/>
           </a:p>
           <a:p>
             <a:pPr>
               <a:defRPr sz="3200"/>
             </a:pPr>
             <a:r>
-              <a:rPr dirty="0"/>
-              <a:t>EPLAN </a:t>
-            </a:r>
-            <a:r>
-              <a:rPr dirty="0" err="1"/>
-              <a:t>Hilfe</a:t>
-            </a:r>
-            <a:r>
-              <a:rPr dirty="0"/>
-              <a:t>: API</a:t>
+              <a:rPr lang="de-DE" dirty="0"/>
+              <a:t>Siemens Forum</a:t>
             </a:r>
           </a:p>
           <a:p>
@@ -4554,20 +4524,6 @@
             <a:r>
               <a:rPr dirty="0" err="1"/>
               <a:t>Suplanus.de</a:t>
-            </a:r>
-            <a:endParaRPr dirty="0"/>
-          </a:p>
-          <a:p>
-            <a:pPr>
-              <a:defRPr sz="3200"/>
-            </a:pPr>
-            <a:r>
-              <a:rPr dirty="0"/>
-              <a:t>Buch: EPLAN Electric P8 </a:t>
-            </a:r>
-            <a:r>
-              <a:rPr dirty="0" err="1"/>
-              <a:t>automatisieren</a:t>
             </a:r>
             <a:endParaRPr dirty="0"/>
           </a:p>
@@ -4659,72 +4615,14 @@
       </p:sp>
       <p:sp>
         <p:nvSpPr>
-          <p:cNvPr id="151" name="Scripting…"/>
-          <p:cNvSpPr txBox="1">
-            <a:spLocks noGrp="1"/>
-          </p:cNvSpPr>
-          <p:nvPr>
-            <p:ph type="body" sz="quarter" idx="1"/>
-          </p:nvPr>
-        </p:nvSpPr>
-        <p:spPr>
-          <a:xfrm>
-            <a:off x="2624215" y="2730500"/>
-            <a:ext cx="2793089" cy="6299200"/>
-          </a:xfrm>
-          <a:prstGeom prst="rect">
-            <a:avLst/>
-          </a:prstGeom>
-        </p:spPr>
-        <p:txBody>
-          <a:bodyPr/>
-          <a:lstStyle/>
-          <a:p>
-            <a:pPr marL="0" indent="0" algn="ctr">
-              <a:buSzTx/>
-              <a:buNone/>
-              <a:defRPr sz="3800"/>
-            </a:pPr>
-            <a:r>
-              <a:t>Scripting</a:t>
-            </a:r>
-          </a:p>
-          <a:p>
-            <a:pPr>
-              <a:defRPr sz="3200"/>
-            </a:pPr>
-            <a:r>
-              <a:t>LabelForm</a:t>
-            </a:r>
-          </a:p>
-          <a:p>
-            <a:pPr>
-              <a:defRPr sz="3200"/>
-            </a:pPr>
-            <a:r>
-              <a:t>MenuCreator</a:t>
-            </a:r>
-          </a:p>
-          <a:p>
-            <a:pPr>
-              <a:defRPr sz="3200"/>
-            </a:pPr>
-            <a:r>
-              <a:t>ActionList</a:t>
-            </a:r>
-          </a:p>
-        </p:txBody>
-      </p:sp>
-      <p:sp>
-        <p:nvSpPr>
           <p:cNvPr id="152" name="API…"/>
           <p:cNvSpPr txBox="1"/>
           <p:nvPr/>
         </p:nvSpPr>
         <p:spPr>
           <a:xfrm>
-            <a:off x="7356647" y="2730500"/>
-            <a:ext cx="3024907" cy="6299200"/>
+            <a:off x="2816573" y="2692400"/>
+            <a:ext cx="7371654" cy="6299200"/>
           </a:xfrm>
           <a:prstGeom prst="rect">
             <a:avLst/>
@@ -4744,20 +4642,6 @@
           </a:bodyPr>
           <a:lstStyle/>
           <a:p>
-            <a:pPr>
-              <a:lnSpc>
-                <a:spcPct val="120000"/>
-              </a:lnSpc>
-              <a:spcBef>
-                <a:spcPts val="4600"/>
-              </a:spcBef>
-              <a:defRPr sz="3800"/>
-            </a:pPr>
-            <a:r>
-              <a:t>API</a:t>
-            </a:r>
-          </a:p>
-          <a:p>
             <a:pPr marL="520700" indent="-520700" algn="l">
               <a:lnSpc>
                 <a:spcPct val="120000"/>
@@ -4770,7 +4654,8 @@
               <a:defRPr sz="3200"/>
             </a:pPr>
             <a:r>
-              <a:t>ReplaceDevice</a:t>
+              <a:rPr lang="de-DE" dirty="0"/>
+              <a:t>Projekte automatisiert erstellen</a:t>
             </a:r>
           </a:p>
           <a:p>
@@ -4786,8 +4671,10 @@
               <a:defRPr sz="3200"/>
             </a:pPr>
             <a:r>
-              <a:t>MacroTool</a:t>
-            </a:r>
+              <a:rPr lang="de-DE" dirty="0"/>
+              <a:t>Daten automatisiert exportieren</a:t>
+            </a:r>
+            <a:endParaRPr dirty="0"/>
           </a:p>
           <a:p>
             <a:pPr marL="520700" indent="-520700" algn="l">
@@ -4802,6 +4689,7 @@
               <a:defRPr sz="3200"/>
             </a:pPr>
             <a:r>
+              <a:rPr lang="de-DE" dirty="0"/>
               <a:t>MD3</a:t>
             </a:r>
           </a:p>

--- a/data/Siemens/API Showcase - Siemens TIA Portal.pptx
+++ b/data/Siemens/API Showcase - Siemens TIA Portal.pptx
@@ -5,7 +5,7 @@
     <p:sldMasterId id="2147483648" r:id="rId1"/>
   </p:sldMasterIdLst>
   <p:notesMasterIdLst>
-    <p:notesMasterId r:id="rId10"/>
+    <p:notesMasterId r:id="rId12"/>
   </p:notesMasterIdLst>
   <p:sldIdLst>
     <p:sldId id="256" r:id="rId2"/>
@@ -14,8 +14,10 @@
     <p:sldId id="259" r:id="rId5"/>
     <p:sldId id="260" r:id="rId6"/>
     <p:sldId id="261" r:id="rId7"/>
-    <p:sldId id="264" r:id="rId8"/>
-    <p:sldId id="265" r:id="rId9"/>
+    <p:sldId id="266" r:id="rId8"/>
+    <p:sldId id="267" r:id="rId9"/>
+    <p:sldId id="268" r:id="rId10"/>
+    <p:sldId id="265" r:id="rId11"/>
   </p:sldIdLst>
   <p:sldSz cx="13004800" cy="9753600"/>
   <p:notesSz cx="6858000" cy="9144000"/>
@@ -318,6 +320,36 @@
     </a:lvl9pPr>
   </p:defaultTextStyle>
   <p:extLst>
+    <p:ext uri="{521415D9-36F7-43E2-AB2F-B90AF26B5E84}">
+      <p14:sectionLst xmlns:p14="http://schemas.microsoft.com/office/powerpoint/2010/main">
+        <p14:section name="Übersicht" id="{3BCBF99F-EE20-6A4A-89CA-DF251E32AE94}">
+          <p14:sldIdLst>
+            <p14:sldId id="256"/>
+            <p14:sldId id="257"/>
+            <p14:sldId id="258"/>
+            <p14:sldId id="259"/>
+          </p14:sldIdLst>
+        </p14:section>
+        <p14:section name="Scripter" id="{20BC491A-EF4C-784D-88EF-A6202A539AFB}">
+          <p14:sldIdLst>
+            <p14:sldId id="260"/>
+            <p14:sldId id="261"/>
+          </p14:sldIdLst>
+        </p14:section>
+        <p14:section name="Openness" id="{05B991AB-00F4-6247-B07B-C81DE6A6F3F6}">
+          <p14:sldIdLst>
+            <p14:sldId id="266"/>
+            <p14:sldId id="267"/>
+          </p14:sldIdLst>
+        </p14:section>
+        <p14:section name="Abschluss" id="{DB136D02-9652-1044-9B9A-F3E3D5DF1D2F}">
+          <p14:sldIdLst>
+            <p14:sldId id="268"/>
+            <p14:sldId id="265"/>
+          </p14:sldIdLst>
+        </p14:section>
+      </p14:sectionLst>
+    </p:ext>
     <p:ext uri="{EFAFB233-063F-42B5-8137-9DF3F51BA10A}">
       <p15:sldGuideLst xmlns:p15="http://schemas.microsoft.com/office/powerpoint/2012/main"/>
     </p:ext>
@@ -508,6 +540,183 @@
 </p:notesMaster>
 </file>
 
+<file path=ppt/notesSlides/notesSlide1.xml><?xml version="1.0" encoding="utf-8"?>
+<p:notes xmlns:a="http://schemas.openxmlformats.org/drawingml/2006/main" xmlns:r="http://schemas.openxmlformats.org/officeDocument/2006/relationships" xmlns:p="http://schemas.openxmlformats.org/presentationml/2006/main">
+  <p:cSld>
+    <p:spTree>
+      <p:nvGrpSpPr>
+        <p:cNvPr id="1" name=""/>
+        <p:cNvGrpSpPr/>
+        <p:nvPr/>
+      </p:nvGrpSpPr>
+      <p:grpSpPr>
+        <a:xfrm>
+          <a:off x="0" y="0"/>
+          <a:ext cx="0" cy="0"/>
+          <a:chOff x="0" y="0"/>
+          <a:chExt cx="0" cy="0"/>
+        </a:xfrm>
+      </p:grpSpPr>
+      <p:sp>
+        <p:nvSpPr>
+          <p:cNvPr id="2" name="Folienbildplatzhalter 1"/>
+          <p:cNvSpPr>
+            <a:spLocks noGrp="1" noRot="1" noChangeAspect="1"/>
+          </p:cNvSpPr>
+          <p:nvPr>
+            <p:ph type="sldImg"/>
+          </p:nvPr>
+        </p:nvSpPr>
+        <p:spPr/>
+      </p:sp>
+      <p:sp>
+        <p:nvSpPr>
+          <p:cNvPr id="3" name="Notizenplatzhalter 2"/>
+          <p:cNvSpPr>
+            <a:spLocks noGrp="1"/>
+          </p:cNvSpPr>
+          <p:nvPr>
+            <p:ph type="body" idx="1"/>
+          </p:nvPr>
+        </p:nvSpPr>
+        <p:spPr/>
+        <p:txBody>
+          <a:bodyPr/>
+          <a:lstStyle/>
+          <a:p>
+            <a:r>
+              <a:rPr lang="de-DE" sz="2200" b="0" dirty="0">
+                <a:effectLst/>
+                <a:latin typeface="Helvetica Neue"/>
+                <a:ea typeface="Helvetica Neue"/>
+                <a:cs typeface="Helvetica Neue"/>
+                <a:sym typeface="Helvetica Neue"/>
+              </a:rPr>
+              <a:t>- Siemens TIA Portal V15</a:t>
+            </a:r>
+          </a:p>
+          <a:p>
+            <a:r>
+              <a:rPr lang="de-DE" sz="2200" b="0" dirty="0">
+                <a:effectLst/>
+                <a:latin typeface="Helvetica Neue"/>
+                <a:ea typeface="Helvetica Neue"/>
+                <a:cs typeface="Helvetica Neue"/>
+                <a:sym typeface="Helvetica Neue"/>
+              </a:rPr>
+              <a:t>- .NET-Framework 4.6.1</a:t>
+            </a:r>
+          </a:p>
+          <a:p>
+            <a:r>
+              <a:rPr lang="de-DE" sz="2200" b="0" dirty="0">
+                <a:effectLst/>
+                <a:latin typeface="Helvetica Neue"/>
+                <a:ea typeface="Helvetica Neue"/>
+                <a:cs typeface="Helvetica Neue"/>
+                <a:sym typeface="Helvetica Neue"/>
+              </a:rPr>
+              <a:t>- Kostenlos</a:t>
+            </a:r>
+          </a:p>
+          <a:p>
+            <a:r>
+              <a:rPr lang="de-DE" sz="2200" b="0" dirty="0">
+                <a:effectLst/>
+                <a:latin typeface="Helvetica Neue"/>
+                <a:ea typeface="Helvetica Neue"/>
+                <a:cs typeface="Helvetica Neue"/>
+                <a:sym typeface="Helvetica Neue"/>
+              </a:rPr>
+              <a:t>- Kein Multiuser</a:t>
+            </a:r>
+          </a:p>
+          <a:p>
+            <a:r>
+              <a:rPr lang="de-DE" sz="2200" b="0" dirty="0">
+                <a:effectLst/>
+                <a:latin typeface="Helvetica Neue"/>
+                <a:ea typeface="Helvetica Neue"/>
+                <a:cs typeface="Helvetica Neue"/>
+                <a:sym typeface="Helvetica Neue"/>
+              </a:rPr>
+              <a:t>- Nicht alle HMI-Funktionalitäten verfügbar (für alle Panels)</a:t>
+            </a:r>
+          </a:p>
+          <a:p>
+            <a:r>
+              <a:rPr lang="de-DE" sz="2200" b="0" dirty="0">
+                <a:effectLst/>
+                <a:latin typeface="Helvetica Neue"/>
+                <a:ea typeface="Helvetica Neue"/>
+                <a:cs typeface="Helvetica Neue"/>
+                <a:sym typeface="Helvetica Neue"/>
+              </a:rPr>
+              <a:t>- Nicht alle Programm-Funktionalitäten verfügbar (welche in der Oberfläche möglich sind)</a:t>
+            </a:r>
+          </a:p>
+          <a:p>
+            <a:r>
+              <a:rPr lang="de-DE" sz="2200" b="0" dirty="0">
+                <a:effectLst/>
+                <a:latin typeface="Helvetica Neue"/>
+                <a:ea typeface="Helvetica Neue"/>
+                <a:cs typeface="Helvetica Neue"/>
+                <a:sym typeface="Helvetica Neue"/>
+              </a:rPr>
+              <a:t>- Nicht alle Objekte können importiert / exportiert werden (z.B. </a:t>
+            </a:r>
+            <a:r>
+              <a:rPr lang="de-DE" sz="2200" b="0" dirty="0" err="1">
+                <a:effectLst/>
+                <a:latin typeface="Helvetica Neue"/>
+                <a:ea typeface="Helvetica Neue"/>
+                <a:cs typeface="Helvetica Neue"/>
+                <a:sym typeface="Helvetica Neue"/>
+              </a:rPr>
+              <a:t>Safety</a:t>
+            </a:r>
+            <a:r>
+              <a:rPr lang="de-DE" sz="2200" b="0" dirty="0">
+                <a:effectLst/>
+                <a:latin typeface="Helvetica Neue"/>
+                <a:ea typeface="Helvetica Neue"/>
+                <a:cs typeface="Helvetica Neue"/>
+                <a:sym typeface="Helvetica Neue"/>
+              </a:rPr>
+              <a:t>-Bausteine)</a:t>
+            </a:r>
+          </a:p>
+          <a:p>
+            <a:r>
+              <a:rPr lang="de-DE" sz="2200" b="0" dirty="0">
+                <a:effectLst/>
+                <a:latin typeface="Helvetica Neue"/>
+                <a:ea typeface="Helvetica Neue"/>
+                <a:cs typeface="Helvetica Neue"/>
+                <a:sym typeface="Helvetica Neue"/>
+              </a:rPr>
+              <a:t>- Größere Änderungen in den letzten Versionen</a:t>
+            </a:r>
+          </a:p>
+          <a:p>
+            <a:endParaRPr lang="de-DE" dirty="0"/>
+          </a:p>
+        </p:txBody>
+      </p:sp>
+    </p:spTree>
+    <p:extLst>
+      <p:ext uri="{BB962C8B-B14F-4D97-AF65-F5344CB8AC3E}">
+        <p14:creationId xmlns:p14="http://schemas.microsoft.com/office/powerpoint/2010/main" val="2516260848"/>
+      </p:ext>
+    </p:extLst>
+  </p:cSld>
+  <p:clrMapOvr>
+    <a:masterClrMapping/>
+  </p:clrMapOvr>
+</p:notes>
+</file>
+
 <file path=ppt/slideLayouts/slideLayout1.xml><?xml version="1.0" encoding="utf-8"?>
 <p:sldLayout xmlns:a="http://schemas.openxmlformats.org/drawingml/2006/main" xmlns:r="http://schemas.openxmlformats.org/officeDocument/2006/relationships" xmlns:p="http://schemas.openxmlformats.org/presentationml/2006/main" type="title">
   <p:cSld name="Titel &amp; Untertitel">
@@ -2282,7 +2491,7 @@
           </a:ln>
           <a:extLst>
             <a:ext uri="{C572A759-6A51-4108-AA02-DFA0A04FC94B}">
-              <ma14:wrappingTextBoxFlag xmlns:ma14="http://schemas.microsoft.com/office/mac/drawingml/2011/main" xmlns:a14="http://schemas.microsoft.com/office/drawing/2010/main" xmlns:m="http://schemas.openxmlformats.org/officeDocument/2006/math" xmlns="" val="1"/>
+              <ma14:wrappingTextBoxFlag xmlns="" xmlns:m="http://schemas.openxmlformats.org/officeDocument/2006/math" xmlns:a14="http://schemas.microsoft.com/office/drawing/2010/main" xmlns:ma14="http://schemas.microsoft.com/office/mac/drawingml/2011/main" val="1"/>
             </a:ext>
           </a:extLst>
         </p:spPr>
@@ -2321,7 +2530,7 @@
           </a:ln>
           <a:extLst>
             <a:ext uri="{C572A759-6A51-4108-AA02-DFA0A04FC94B}">
-              <ma14:wrappingTextBoxFlag xmlns:ma14="http://schemas.microsoft.com/office/mac/drawingml/2011/main" xmlns:a14="http://schemas.microsoft.com/office/drawing/2010/main" xmlns:m="http://schemas.openxmlformats.org/officeDocument/2006/math" xmlns="" val="1"/>
+              <ma14:wrappingTextBoxFlag xmlns="" xmlns:m="http://schemas.openxmlformats.org/officeDocument/2006/math" xmlns:a14="http://schemas.microsoft.com/office/drawing/2010/main" xmlns:ma14="http://schemas.microsoft.com/office/mac/drawingml/2011/main" val="1"/>
             </a:ext>
           </a:extLst>
         </p:spPr>
@@ -3280,6 +3489,14 @@
             </a:r>
             <a:r>
               <a:rPr lang="de-DE" dirty="0" err="1"/>
+              <a:t>Scripter</a:t>
+            </a:r>
+            <a:r>
+              <a:rPr lang="de-DE" dirty="0"/>
+              <a:t> &amp; </a:t>
+            </a:r>
+            <a:r>
+              <a:rPr lang="de-DE" dirty="0" err="1"/>
               <a:t>Openness</a:t>
             </a:r>
             <a:endParaRPr dirty="0"/>
@@ -3292,6 +3509,172 @@
     <a:masterClrMapping/>
   </p:clrMapOvr>
   <p:transition spd="med"/>
+</p:sld>
+</file>
+
+<file path=ppt/slides/slide10.xml><?xml version="1.0" encoding="utf-8"?>
+<p:sld xmlns:a="http://schemas.openxmlformats.org/drawingml/2006/main" xmlns:r="http://schemas.openxmlformats.org/officeDocument/2006/relationships" xmlns:p="http://schemas.openxmlformats.org/presentationml/2006/main">
+  <p:cSld>
+    <p:spTree>
+      <p:nvGrpSpPr>
+        <p:cNvPr id="1" name=""/>
+        <p:cNvGrpSpPr/>
+        <p:nvPr/>
+      </p:nvGrpSpPr>
+      <p:grpSpPr>
+        <a:xfrm>
+          <a:off x="0" y="0"/>
+          <a:ext cx="0" cy="0"/>
+          <a:chOff x="0" y="0"/>
+          <a:chExt cx="0" cy="0"/>
+        </a:xfrm>
+      </p:grpSpPr>
+      <p:sp>
+        <p:nvSpPr>
+          <p:cNvPr id="150" name="EPLAN Electric p8…"/>
+          <p:cNvSpPr txBox="1">
+            <a:spLocks noGrp="1"/>
+          </p:cNvSpPr>
+          <p:nvPr>
+            <p:ph type="title"/>
+          </p:nvPr>
+        </p:nvSpPr>
+        <p:spPr>
+          <a:prstGeom prst="rect">
+            <a:avLst/>
+          </a:prstGeom>
+        </p:spPr>
+        <p:txBody>
+          <a:bodyPr>
+            <a:normAutofit fontScale="90000"/>
+          </a:bodyPr>
+          <a:lstStyle/>
+          <a:p>
+            <a:pPr lvl="3"/>
+            <a:r>
+              <a:rPr lang="de-DE" dirty="0"/>
+              <a:t>Siemens TIA Portal </a:t>
+            </a:r>
+            <a:r>
+              <a:rPr lang="de-DE" dirty="0" err="1"/>
+              <a:t>Openness</a:t>
+            </a:r>
+            <a:endParaRPr dirty="0"/>
+          </a:p>
+          <a:p>
+            <a:pPr>
+              <a:buClr>
+                <a:srgbClr val="535353"/>
+              </a:buClr>
+              <a:defRPr sz="3800" cap="none"/>
+            </a:pPr>
+            <a:r>
+              <a:rPr dirty="0" err="1"/>
+              <a:t>Anwendungsfälle</a:t>
+            </a:r>
+            <a:endParaRPr dirty="0"/>
+          </a:p>
+        </p:txBody>
+      </p:sp>
+      <p:sp>
+        <p:nvSpPr>
+          <p:cNvPr id="152" name="API…"/>
+          <p:cNvSpPr txBox="1"/>
+          <p:nvPr/>
+        </p:nvSpPr>
+        <p:spPr>
+          <a:xfrm>
+            <a:off x="2816573" y="2692400"/>
+            <a:ext cx="7371654" cy="6299200"/>
+          </a:xfrm>
+          <a:prstGeom prst="rect">
+            <a:avLst/>
+          </a:prstGeom>
+          <a:ln w="12700">
+            <a:miter lim="400000"/>
+          </a:ln>
+          <a:extLst>
+            <a:ext uri="{C572A759-6A51-4108-AA02-DFA0A04FC94B}">
+              <ma14:wrappingTextBoxFlag xmlns="" xmlns:m="http://schemas.openxmlformats.org/officeDocument/2006/math" xmlns:a14="http://schemas.microsoft.com/office/drawing/2010/main" xmlns:ma14="http://schemas.microsoft.com/office/mac/drawingml/2011/main" val="1"/>
+            </a:ext>
+          </a:extLst>
+        </p:spPr>
+        <p:txBody>
+          <a:bodyPr lIns="50800" tIns="50800" rIns="50800" bIns="50800" anchor="ctr">
+            <a:normAutofit/>
+          </a:bodyPr>
+          <a:lstStyle/>
+          <a:p>
+            <a:pPr marL="520700" indent="-520700" algn="l">
+              <a:lnSpc>
+                <a:spcPct val="120000"/>
+              </a:lnSpc>
+              <a:spcBef>
+                <a:spcPts val="4600"/>
+              </a:spcBef>
+              <a:buSzPct val="82000"/>
+              <a:buChar char="•"/>
+              <a:defRPr sz="3200"/>
+            </a:pPr>
+            <a:r>
+              <a:rPr lang="de-DE" dirty="0"/>
+              <a:t>Projekte automatisiert erstellen</a:t>
+            </a:r>
+          </a:p>
+          <a:p>
+            <a:pPr marL="520700" indent="-520700" algn="l">
+              <a:lnSpc>
+                <a:spcPct val="120000"/>
+              </a:lnSpc>
+              <a:spcBef>
+                <a:spcPts val="4600"/>
+              </a:spcBef>
+              <a:buSzPct val="82000"/>
+              <a:buChar char="•"/>
+              <a:defRPr sz="3200"/>
+            </a:pPr>
+            <a:r>
+              <a:rPr lang="de-DE" dirty="0"/>
+              <a:t>Daten automatisiert exportieren</a:t>
+            </a:r>
+            <a:endParaRPr dirty="0"/>
+          </a:p>
+          <a:p>
+            <a:pPr marL="520700" indent="-520700" algn="l">
+              <a:lnSpc>
+                <a:spcPct val="120000"/>
+              </a:lnSpc>
+              <a:spcBef>
+                <a:spcPts val="4600"/>
+              </a:spcBef>
+              <a:buSzPct val="82000"/>
+              <a:buChar char="•"/>
+              <a:defRPr sz="3200"/>
+            </a:pPr>
+            <a:r>
+              <a:rPr lang="de-DE" dirty="0"/>
+              <a:t>MD3</a:t>
+            </a:r>
+          </a:p>
+        </p:txBody>
+      </p:sp>
+    </p:spTree>
+  </p:cSld>
+  <p:clrMapOvr>
+    <a:masterClrMapping/>
+  </p:clrMapOvr>
+  <mc:AlternateContent xmlns:mc="http://schemas.openxmlformats.org/markup-compatibility/2006" xmlns:p14="http://schemas.microsoft.com/office/powerpoint/2010/main">
+    <mc:Choice Requires="p14">
+      <p:transition spd="med">
+        <p:push/>
+      </p:transition>
+    </mc:Choice>
+    <mc:Fallback xmlns="" xmlns:m="http://schemas.openxmlformats.org/officeDocument/2006/math" xmlns:a14="http://schemas.microsoft.com/office/drawing/2010/main">
+      <p:transition spd="fast">
+        <p:fade/>
+      </p:transition>
+    </mc:Fallback>
+  </mc:AlternateContent>
 </p:sld>
 </file>
 
@@ -3460,7 +3843,7 @@
         <p:push/>
       </p:transition>
     </mc:Choice>
-    <mc:Fallback xmlns:a14="http://schemas.microsoft.com/office/drawing/2010/main" xmlns:m="http://schemas.openxmlformats.org/officeDocument/2006/math" xmlns="">
+    <mc:Fallback xmlns="" xmlns:m="http://schemas.openxmlformats.org/officeDocument/2006/math" xmlns:a14="http://schemas.microsoft.com/office/drawing/2010/main">
       <p:transition spd="fast">
         <p:fade/>
       </p:transition>
@@ -3503,18 +3886,14 @@
         </p:spPr>
         <p:txBody>
           <a:bodyPr>
-            <a:normAutofit fontScale="90000"/>
+            <a:normAutofit/>
           </a:bodyPr>
           <a:lstStyle/>
           <a:p>
             <a:pPr lvl="3"/>
             <a:r>
               <a:rPr lang="de-DE" dirty="0"/>
-              <a:t>Siemens TIA Portal </a:t>
-            </a:r>
-            <a:r>
-              <a:rPr lang="de-DE" dirty="0" err="1"/>
-              <a:t>Openness</a:t>
+              <a:t>Siemens TIA Portal</a:t>
             </a:r>
             <a:endParaRPr dirty="0"/>
           </a:p>
@@ -3747,7 +4126,7 @@
         <p:push/>
       </p:transition>
     </mc:Choice>
-    <mc:Fallback xmlns:a14="http://schemas.microsoft.com/office/drawing/2010/main" xmlns:m="http://schemas.openxmlformats.org/officeDocument/2006/math" xmlns="">
+    <mc:Fallback xmlns="" xmlns:m="http://schemas.openxmlformats.org/officeDocument/2006/math" xmlns:a14="http://schemas.microsoft.com/office/drawing/2010/main">
       <p:transition spd="fast">
         <p:fade/>
       </p:transition>
@@ -3790,18 +4169,14 @@
         </p:spPr>
         <p:txBody>
           <a:bodyPr>
-            <a:normAutofit fontScale="90000"/>
+            <a:normAutofit/>
           </a:bodyPr>
           <a:lstStyle/>
           <a:p>
             <a:pPr lvl="3"/>
             <a:r>
               <a:rPr lang="de-DE" dirty="0"/>
-              <a:t>Siemens TIA Portal </a:t>
-            </a:r>
-            <a:r>
-              <a:rPr lang="de-DE" dirty="0" err="1"/>
-              <a:t>Openness</a:t>
+              <a:t>Siemens TIA Portal</a:t>
             </a:r>
             <a:endParaRPr dirty="0"/>
           </a:p>
@@ -3815,134 +4190,6 @@
             <a:r>
               <a:rPr dirty="0"/>
               <a:t>Aufbau</a:t>
-            </a:r>
-          </a:p>
-        </p:txBody>
-      </p:sp>
-      <p:sp>
-        <p:nvSpPr>
-          <p:cNvPr id="132" name="API…"/>
-          <p:cNvSpPr txBox="1"/>
-          <p:nvPr/>
-        </p:nvSpPr>
-        <p:spPr>
-          <a:xfrm>
-            <a:off x="3511550" y="2692400"/>
-            <a:ext cx="5981699" cy="6299200"/>
-          </a:xfrm>
-          <a:prstGeom prst="rect">
-            <a:avLst/>
-          </a:prstGeom>
-          <a:ln w="12700">
-            <a:miter lim="400000"/>
-          </a:ln>
-          <a:extLst>
-            <a:ext uri="{C572A759-6A51-4108-AA02-DFA0A04FC94B}">
-              <ma14:wrappingTextBoxFlag xmlns:ma14="http://schemas.microsoft.com/office/mac/drawingml/2011/main" xmlns:a14="http://schemas.microsoft.com/office/drawing/2010/main" xmlns:m="http://schemas.openxmlformats.org/officeDocument/2006/math" xmlns="" val="1"/>
-            </a:ext>
-          </a:extLst>
-        </p:spPr>
-        <p:txBody>
-          <a:bodyPr lIns="50800" tIns="50800" rIns="50800" bIns="50800">
-            <a:normAutofit/>
-          </a:bodyPr>
-          <a:lstStyle/>
-          <a:p>
-            <a:pPr marL="520700" indent="-520700" algn="l">
-              <a:lnSpc>
-                <a:spcPct val="120000"/>
-              </a:lnSpc>
-              <a:spcBef>
-                <a:spcPts val="4600"/>
-              </a:spcBef>
-              <a:buSzPct val="82000"/>
-              <a:buChar char="•"/>
-              <a:defRPr sz="3200"/>
-            </a:pPr>
-            <a:r>
-              <a:rPr lang="de-DE" dirty="0"/>
-              <a:t>Kostenlos</a:t>
-            </a:r>
-          </a:p>
-          <a:p>
-            <a:pPr marL="520700" indent="-520700" algn="l">
-              <a:lnSpc>
-                <a:spcPct val="120000"/>
-              </a:lnSpc>
-              <a:spcBef>
-                <a:spcPts val="4600"/>
-              </a:spcBef>
-              <a:buSzPct val="82000"/>
-              <a:buChar char="•"/>
-              <a:defRPr sz="3200"/>
-            </a:pPr>
-            <a:r>
-              <a:rPr lang="de-DE" dirty="0"/>
-              <a:t>Debugging eingeschränkt</a:t>
-            </a:r>
-            <a:endParaRPr dirty="0"/>
-          </a:p>
-          <a:p>
-            <a:pPr marL="520700" indent="-520700" algn="l">
-              <a:lnSpc>
-                <a:spcPct val="120000"/>
-              </a:lnSpc>
-              <a:spcBef>
-                <a:spcPts val="4600"/>
-              </a:spcBef>
-              <a:buSzPct val="82000"/>
-              <a:buChar char="•"/>
-              <a:defRPr sz="3200"/>
-            </a:pPr>
-            <a:r>
-              <a:rPr dirty="0" err="1"/>
-              <a:t>Kompletter</a:t>
-            </a:r>
-            <a:r>
-              <a:rPr dirty="0"/>
-              <a:t> </a:t>
-            </a:r>
-            <a:r>
-              <a:rPr dirty="0" err="1"/>
-              <a:t>Datenmodell</a:t>
-            </a:r>
-            <a:r>
-              <a:rPr dirty="0"/>
-              <a:t> </a:t>
-            </a:r>
-            <a:r>
-              <a:rPr dirty="0" err="1"/>
-              <a:t>Zugriff</a:t>
-            </a:r>
-            <a:endParaRPr dirty="0"/>
-          </a:p>
-          <a:p>
-            <a:pPr marL="520700" indent="-520700" algn="l">
-              <a:lnSpc>
-                <a:spcPct val="120000"/>
-              </a:lnSpc>
-              <a:spcBef>
-                <a:spcPts val="4600"/>
-              </a:spcBef>
-              <a:buSzPct val="82000"/>
-              <a:buChar char="•"/>
-              <a:defRPr sz="3200"/>
-            </a:pPr>
-            <a:r>
-              <a:rPr lang="de-DE" dirty="0"/>
-              <a:t>Viele</a:t>
-            </a:r>
-            <a:r>
-              <a:rPr dirty="0"/>
-              <a:t> </a:t>
-            </a:r>
-            <a:r>
-              <a:rPr dirty="0" err="1"/>
-              <a:t>Funktionalitäten</a:t>
-            </a:r>
-            <a:r>
-              <a:rPr dirty="0"/>
-              <a:t>*</a:t>
             </a:r>
           </a:p>
         </p:txBody>
@@ -3966,7 +4213,7 @@
           </a:ln>
           <a:extLst>
             <a:ext uri="{C572A759-6A51-4108-AA02-DFA0A04FC94B}">
-              <ma14:wrappingTextBoxFlag xmlns:ma14="http://schemas.microsoft.com/office/mac/drawingml/2011/main" xmlns:a14="http://schemas.microsoft.com/office/drawing/2010/main" xmlns:m="http://schemas.openxmlformats.org/officeDocument/2006/math" xmlns="" val="1"/>
+              <ma14:wrappingTextBoxFlag xmlns="" xmlns:m="http://schemas.openxmlformats.org/officeDocument/2006/math" xmlns:a14="http://schemas.microsoft.com/office/drawing/2010/main" xmlns:ma14="http://schemas.microsoft.com/office/mac/drawingml/2011/main" val="1"/>
             </a:ext>
           </a:extLst>
         </p:spPr>
@@ -4106,6 +4353,219 @@
               <a:t>bereit</a:t>
             </a:r>
             <a:endParaRPr dirty="0"/>
+          </a:p>
+        </p:txBody>
+      </p:sp>
+      <p:sp>
+        <p:nvSpPr>
+          <p:cNvPr id="5" name="Scripting…">
+            <a:extLst>
+              <a:ext uri="{FF2B5EF4-FFF2-40B4-BE49-F238E27FC236}">
+                <a16:creationId xmlns:a16="http://schemas.microsoft.com/office/drawing/2014/main" id="{4DDDC90C-C709-FE49-A9F6-6B8027D5A08B}"/>
+              </a:ext>
+            </a:extLst>
+          </p:cNvPr>
+          <p:cNvSpPr txBox="1">
+            <a:spLocks noGrp="1"/>
+          </p:cNvSpPr>
+          <p:nvPr>
+            <p:ph type="body" sz="half" idx="1"/>
+          </p:nvPr>
+        </p:nvSpPr>
+        <p:spPr>
+          <a:xfrm>
+            <a:off x="355600" y="2730500"/>
+            <a:ext cx="5905153" cy="6299200"/>
+          </a:xfrm>
+          <a:prstGeom prst="rect">
+            <a:avLst/>
+          </a:prstGeom>
+        </p:spPr>
+        <p:txBody>
+          <a:bodyPr anchor="t">
+            <a:normAutofit/>
+          </a:bodyPr>
+          <a:lstStyle/>
+          <a:p>
+            <a:pPr marL="0" indent="0" algn="ctr">
+              <a:buSzTx/>
+              <a:buNone/>
+              <a:defRPr sz="3800"/>
+            </a:pPr>
+            <a:r>
+              <a:rPr lang="de-DE" dirty="0" err="1"/>
+              <a:t>Scripter</a:t>
+            </a:r>
+            <a:endParaRPr dirty="0"/>
+          </a:p>
+          <a:p>
+            <a:pPr>
+              <a:defRPr sz="3200"/>
+            </a:pPr>
+            <a:r>
+              <a:rPr dirty="0" err="1"/>
+              <a:t>Kostenlos</a:t>
+            </a:r>
+            <a:endParaRPr lang="de-DE" dirty="0"/>
+          </a:p>
+          <a:p>
+            <a:pPr>
+              <a:defRPr sz="3200"/>
+            </a:pPr>
+            <a:r>
+              <a:rPr lang="de-DE" dirty="0"/>
+              <a:t>Leichter Einstieg</a:t>
+            </a:r>
+          </a:p>
+          <a:p>
+            <a:pPr>
+              <a:defRPr sz="3200"/>
+            </a:pPr>
+            <a:r>
+              <a:rPr lang="de-DE" dirty="0"/>
+              <a:t>Debugging eingeschränkt</a:t>
+            </a:r>
+            <a:endParaRPr dirty="0"/>
+          </a:p>
+          <a:p>
+            <a:pPr>
+              <a:defRPr sz="3200"/>
+            </a:pPr>
+            <a:r>
+              <a:rPr dirty="0" err="1"/>
+              <a:t>Funktionalitäten</a:t>
+            </a:r>
+            <a:r>
+              <a:rPr dirty="0"/>
+              <a:t> </a:t>
+            </a:r>
+            <a:r>
+              <a:rPr dirty="0" err="1"/>
+              <a:t>eingeschränkt</a:t>
+            </a:r>
+            <a:endParaRPr dirty="0"/>
+          </a:p>
+        </p:txBody>
+      </p:sp>
+      <p:sp>
+        <p:nvSpPr>
+          <p:cNvPr id="6" name="API…">
+            <a:extLst>
+              <a:ext uri="{FF2B5EF4-FFF2-40B4-BE49-F238E27FC236}">
+                <a16:creationId xmlns:a16="http://schemas.microsoft.com/office/drawing/2014/main" id="{8ABDCBD3-DF8F-4D45-A413-BB921B76FB4B}"/>
+              </a:ext>
+            </a:extLst>
+          </p:cNvPr>
+          <p:cNvSpPr txBox="1"/>
+          <p:nvPr/>
+        </p:nvSpPr>
+        <p:spPr>
+          <a:xfrm>
+            <a:off x="6850905" y="2730500"/>
+            <a:ext cx="5905154" cy="6299200"/>
+          </a:xfrm>
+          <a:prstGeom prst="rect">
+            <a:avLst/>
+          </a:prstGeom>
+          <a:ln w="12700">
+            <a:miter lim="400000"/>
+          </a:ln>
+          <a:extLst>
+            <a:ext uri="{C572A759-6A51-4108-AA02-DFA0A04FC94B}">
+              <ma14:wrappingTextBoxFlag xmlns:ma14="http://schemas.microsoft.com/office/mac/drawingml/2011/main" xmlns:a14="http://schemas.microsoft.com/office/drawing/2010/main" xmlns:m="http://schemas.openxmlformats.org/officeDocument/2006/math" xmlns="" val="1"/>
+            </a:ext>
+          </a:extLst>
+        </p:spPr>
+        <p:txBody>
+          <a:bodyPr lIns="50800" tIns="50800" rIns="50800" bIns="50800">
+            <a:normAutofit/>
+          </a:bodyPr>
+          <a:lstStyle/>
+          <a:p>
+            <a:pPr>
+              <a:lnSpc>
+                <a:spcPct val="120000"/>
+              </a:lnSpc>
+              <a:spcBef>
+                <a:spcPts val="4600"/>
+              </a:spcBef>
+              <a:buSzPct val="82000"/>
+              <a:defRPr sz="3200"/>
+            </a:pPr>
+            <a:r>
+              <a:rPr lang="de-DE" dirty="0" err="1"/>
+              <a:t>Openness</a:t>
+            </a:r>
+            <a:endParaRPr lang="de-DE" dirty="0"/>
+          </a:p>
+          <a:p>
+            <a:pPr marL="520700" indent="-520700" algn="l">
+              <a:lnSpc>
+                <a:spcPct val="120000"/>
+              </a:lnSpc>
+              <a:spcBef>
+                <a:spcPts val="4600"/>
+              </a:spcBef>
+              <a:buSzPct val="82000"/>
+              <a:buChar char="•"/>
+              <a:defRPr sz="3200"/>
+            </a:pPr>
+            <a:r>
+              <a:rPr lang="de-DE" dirty="0"/>
+              <a:t>Kostenlos</a:t>
+            </a:r>
+          </a:p>
+          <a:p>
+            <a:pPr marL="520700" indent="-520700" algn="l">
+              <a:lnSpc>
+                <a:spcPct val="120000"/>
+              </a:lnSpc>
+              <a:spcBef>
+                <a:spcPts val="4600"/>
+              </a:spcBef>
+              <a:buSzPct val="82000"/>
+              <a:buChar char="•"/>
+              <a:defRPr sz="3200"/>
+            </a:pPr>
+            <a:r>
+              <a:rPr lang="de-DE" dirty="0"/>
+              <a:t>Kompletter Datenmodell Zugriff</a:t>
+            </a:r>
+          </a:p>
+          <a:p>
+            <a:pPr marL="520700" indent="-520700" algn="l">
+              <a:lnSpc>
+                <a:spcPct val="120000"/>
+              </a:lnSpc>
+              <a:spcBef>
+                <a:spcPts val="4600"/>
+              </a:spcBef>
+              <a:buSzPct val="82000"/>
+              <a:buFontTx/>
+              <a:buChar char="•"/>
+              <a:defRPr sz="3200"/>
+            </a:pPr>
+            <a:r>
+              <a:rPr lang="de-DE" dirty="0"/>
+              <a:t>Debugging aufwändig</a:t>
+            </a:r>
+          </a:p>
+          <a:p>
+            <a:pPr marL="520700" indent="-520700" algn="l">
+              <a:lnSpc>
+                <a:spcPct val="120000"/>
+              </a:lnSpc>
+              <a:spcBef>
+                <a:spcPts val="4600"/>
+              </a:spcBef>
+              <a:buSzPct val="82000"/>
+              <a:buChar char="•"/>
+              <a:defRPr sz="3200"/>
+            </a:pPr>
+            <a:r>
+              <a:rPr lang="de-DE" dirty="0"/>
+              <a:t>Viele Funktionalitäten*</a:t>
+            </a:r>
           </a:p>
         </p:txBody>
       </p:sp>
@@ -4120,7 +4580,7 @@
         <p:push/>
       </p:transition>
     </mc:Choice>
-    <mc:Fallback xmlns:a14="http://schemas.microsoft.com/office/drawing/2010/main" xmlns:m="http://schemas.openxmlformats.org/officeDocument/2006/math" xmlns="">
+    <mc:Fallback xmlns="" xmlns:m="http://schemas.openxmlformats.org/officeDocument/2006/math" xmlns:a14="http://schemas.microsoft.com/office/drawing/2010/main">
       <p:transition spd="fast">
         <p:fade/>
       </p:transition>
@@ -4163,18 +4623,14 @@
         </p:spPr>
         <p:txBody>
           <a:bodyPr>
-            <a:normAutofit fontScale="90000"/>
+            <a:normAutofit/>
           </a:bodyPr>
           <a:lstStyle/>
           <a:p>
             <a:pPr lvl="3"/>
             <a:r>
               <a:rPr lang="de-DE" dirty="0"/>
-              <a:t>Siemens TIA Portal </a:t>
-            </a:r>
-            <a:r>
-              <a:rPr lang="de-DE" dirty="0" err="1"/>
-              <a:t>Openness</a:t>
+              <a:t>Siemens TIA Portal</a:t>
             </a:r>
             <a:endParaRPr dirty="0"/>
           </a:p>
@@ -4188,6 +4644,14 @@
             <a:r>
               <a:rPr dirty="0" err="1"/>
               <a:t>Funktionen</a:t>
+            </a:r>
+            <a:r>
+              <a:rPr lang="de-DE" dirty="0"/>
+              <a:t>: </a:t>
+            </a:r>
+            <a:r>
+              <a:rPr lang="de-DE" dirty="0" err="1"/>
+              <a:t>Scripter</a:t>
             </a:r>
             <a:endParaRPr dirty="0"/>
           </a:p>
@@ -4213,43 +4677,27 @@
           </a:prstGeom>
         </p:spPr>
         <p:txBody>
-          <a:bodyPr/>
+          <a:bodyPr>
+            <a:normAutofit/>
+          </a:bodyPr>
           <a:lstStyle/>
           <a:p>
             <a:pPr>
               <a:defRPr sz="3200"/>
             </a:pPr>
             <a:r>
-              <a:rPr dirty="0" err="1"/>
-              <a:t>Daten</a:t>
-            </a:r>
-            <a:r>
-              <a:rPr dirty="0"/>
-              <a:t> </a:t>
-            </a:r>
-            <a:r>
-              <a:rPr dirty="0" err="1"/>
-              <a:t>importieren</a:t>
-            </a:r>
-            <a:endParaRPr dirty="0"/>
+              <a:rPr lang="de-DE" dirty="0"/>
+              <a:t>Projekt Übersetzen</a:t>
+            </a:r>
           </a:p>
           <a:p>
             <a:pPr>
               <a:defRPr sz="3200"/>
             </a:pPr>
             <a:r>
-              <a:rPr dirty="0" err="1"/>
-              <a:t>Daten</a:t>
-            </a:r>
-            <a:r>
-              <a:rPr dirty="0"/>
-              <a:t> </a:t>
-            </a:r>
-            <a:r>
-              <a:rPr dirty="0" err="1"/>
-              <a:t>exportieren</a:t>
-            </a:r>
-            <a:endParaRPr lang="de-DE" dirty="0"/>
+              <a:rPr lang="de-DE" dirty="0"/>
+              <a:t>Projekt aktualisieren</a:t>
+            </a:r>
           </a:p>
           <a:p>
             <a:pPr>
@@ -4257,7 +4705,7 @@
             </a:pPr>
             <a:r>
               <a:rPr lang="de-DE" dirty="0"/>
-              <a:t>Hardware konfigurieren</a:t>
+              <a:t>Projekte vergleichen</a:t>
             </a:r>
           </a:p>
           <a:p>
@@ -4266,9 +4714,17 @@
             </a:pPr>
             <a:r>
               <a:rPr lang="de-DE" dirty="0"/>
-              <a:t>Netze erzeugen / verschalten</a:t>
-            </a:r>
-            <a:endParaRPr dirty="0"/>
+              <a:t>Zuordnungsliste importieren</a:t>
+            </a:r>
+          </a:p>
+          <a:p>
+            <a:pPr>
+              <a:defRPr sz="3200"/>
+            </a:pPr>
+            <a:r>
+              <a:rPr lang="de-DE" dirty="0"/>
+              <a:t>Bausteine importieren</a:t>
+            </a:r>
           </a:p>
         </p:txBody>
       </p:sp>
@@ -4283,7 +4739,7 @@
         <p:push/>
       </p:transition>
     </mc:Choice>
-    <mc:Fallback xmlns:a14="http://schemas.microsoft.com/office/drawing/2010/main" xmlns:m="http://schemas.openxmlformats.org/officeDocument/2006/math" xmlns="">
+    <mc:Fallback xmlns="" xmlns:m="http://schemas.openxmlformats.org/officeDocument/2006/math" xmlns:a14="http://schemas.microsoft.com/office/drawing/2010/main">
       <p:transition spd="fast">
         <p:fade/>
       </p:transition>
@@ -4326,18 +4782,14 @@
         </p:spPr>
         <p:txBody>
           <a:bodyPr>
-            <a:normAutofit fontScale="90000"/>
+            <a:normAutofit/>
           </a:bodyPr>
           <a:lstStyle/>
           <a:p>
             <a:pPr lvl="3"/>
             <a:r>
               <a:rPr lang="de-DE" dirty="0"/>
-              <a:t>Siemens TIA Portal </a:t>
-            </a:r>
-            <a:r>
-              <a:rPr lang="de-DE" dirty="0" err="1"/>
-              <a:t>Openness</a:t>
+              <a:t>Siemens TIA Portal</a:t>
             </a:r>
             <a:endParaRPr dirty="0"/>
           </a:p>
@@ -4350,7 +4802,307 @@
             </a:pPr>
             <a:r>
               <a:rPr lang="de-DE" dirty="0"/>
-              <a:t>Demo</a:t>
+              <a:t>Demo : </a:t>
+            </a:r>
+            <a:r>
+              <a:rPr lang="de-DE" dirty="0" err="1"/>
+              <a:t>Scripter</a:t>
+            </a:r>
+            <a:endParaRPr dirty="0"/>
+          </a:p>
+        </p:txBody>
+      </p:sp>
+      <p:pic>
+        <p:nvPicPr>
+          <p:cNvPr id="3" name="Grafik 2">
+            <a:extLst>
+              <a:ext uri="{FF2B5EF4-FFF2-40B4-BE49-F238E27FC236}">
+                <a16:creationId xmlns:a16="http://schemas.microsoft.com/office/drawing/2014/main" id="{F597D479-902A-0A47-832A-4CBA9D2D5078}"/>
+              </a:ext>
+            </a:extLst>
+          </p:cNvPr>
+          <p:cNvPicPr>
+            <a:picLocks noChangeAspect="1"/>
+          </p:cNvPicPr>
+          <p:nvPr/>
+        </p:nvPicPr>
+        <p:blipFill>
+          <a:blip r:embed="rId2">
+            <a:extLst>
+              <a:ext uri="{28A0092B-C50C-407E-A947-70E740481C1C}">
+                <a14:useLocalDpi xmlns:a14="http://schemas.microsoft.com/office/drawing/2010/main" val="0"/>
+              </a:ext>
+            </a:extLst>
+          </a:blip>
+          <a:stretch>
+            <a:fillRect/>
+          </a:stretch>
+        </p:blipFill>
+        <p:spPr>
+          <a:xfrm>
+            <a:off x="3194050" y="2889250"/>
+            <a:ext cx="6616700" cy="3975100"/>
+          </a:xfrm>
+          <a:prstGeom prst="rect">
+            <a:avLst/>
+          </a:prstGeom>
+        </p:spPr>
+      </p:pic>
+    </p:spTree>
+  </p:cSld>
+  <p:clrMapOvr>
+    <a:masterClrMapping/>
+  </p:clrMapOvr>
+  <mc:AlternateContent xmlns:mc="http://schemas.openxmlformats.org/markup-compatibility/2006" xmlns:p14="http://schemas.microsoft.com/office/powerpoint/2010/main">
+    <mc:Choice Requires="p14">
+      <p:transition spd="med">
+        <p:push/>
+      </p:transition>
+    </mc:Choice>
+    <mc:Fallback xmlns="" xmlns:m="http://schemas.openxmlformats.org/officeDocument/2006/math" xmlns:a14="http://schemas.microsoft.com/office/drawing/2010/main">
+      <p:transition spd="fast">
+        <p:fade/>
+      </p:transition>
+    </mc:Fallback>
+  </mc:AlternateContent>
+</p:sld>
+</file>
+
+<file path=ppt/slides/slide7.xml><?xml version="1.0" encoding="utf-8"?>
+<p:sld xmlns:a="http://schemas.openxmlformats.org/drawingml/2006/main" xmlns:r="http://schemas.openxmlformats.org/officeDocument/2006/relationships" xmlns:p="http://schemas.openxmlformats.org/presentationml/2006/main">
+  <p:cSld>
+    <p:spTree>
+      <p:nvGrpSpPr>
+        <p:cNvPr id="1" name=""/>
+        <p:cNvGrpSpPr/>
+        <p:nvPr/>
+      </p:nvGrpSpPr>
+      <p:grpSpPr>
+        <a:xfrm>
+          <a:off x="0" y="0"/>
+          <a:ext cx="0" cy="0"/>
+          <a:chOff x="0" y="0"/>
+          <a:chExt cx="0" cy="0"/>
+        </a:xfrm>
+      </p:grpSpPr>
+      <p:sp>
+        <p:nvSpPr>
+          <p:cNvPr id="135" name="EPLAN Electric p8…"/>
+          <p:cNvSpPr txBox="1">
+            <a:spLocks noGrp="1"/>
+          </p:cNvSpPr>
+          <p:nvPr>
+            <p:ph type="title"/>
+          </p:nvPr>
+        </p:nvSpPr>
+        <p:spPr>
+          <a:prstGeom prst="rect">
+            <a:avLst/>
+          </a:prstGeom>
+        </p:spPr>
+        <p:txBody>
+          <a:bodyPr>
+            <a:normAutofit/>
+          </a:bodyPr>
+          <a:lstStyle/>
+          <a:p>
+            <a:pPr lvl="3"/>
+            <a:r>
+              <a:rPr lang="de-DE" dirty="0"/>
+              <a:t>Siemens TIA Portal</a:t>
+            </a:r>
+            <a:endParaRPr dirty="0"/>
+          </a:p>
+          <a:p>
+            <a:pPr>
+              <a:buClr>
+                <a:srgbClr val="535353"/>
+              </a:buClr>
+              <a:defRPr sz="3800" cap="none"/>
+            </a:pPr>
+            <a:r>
+              <a:rPr dirty="0" err="1"/>
+              <a:t>Funktionen</a:t>
+            </a:r>
+            <a:r>
+              <a:rPr lang="de-DE" dirty="0"/>
+              <a:t>: </a:t>
+            </a:r>
+            <a:r>
+              <a:rPr lang="de-DE" dirty="0" err="1"/>
+              <a:t>Openness</a:t>
+            </a:r>
+            <a:endParaRPr dirty="0"/>
+          </a:p>
+        </p:txBody>
+      </p:sp>
+      <p:sp>
+        <p:nvSpPr>
+          <p:cNvPr id="136" name="Leichter Einstieg…"/>
+          <p:cNvSpPr txBox="1">
+            <a:spLocks noGrp="1"/>
+          </p:cNvSpPr>
+          <p:nvPr>
+            <p:ph type="body" sz="half" idx="1"/>
+          </p:nvPr>
+        </p:nvSpPr>
+        <p:spPr>
+          <a:xfrm>
+            <a:off x="3657540" y="2692400"/>
+            <a:ext cx="5689719" cy="6299200"/>
+          </a:xfrm>
+          <a:prstGeom prst="rect">
+            <a:avLst/>
+          </a:prstGeom>
+        </p:spPr>
+        <p:txBody>
+          <a:bodyPr/>
+          <a:lstStyle/>
+          <a:p>
+            <a:pPr>
+              <a:defRPr sz="3200"/>
+            </a:pPr>
+            <a:r>
+              <a:rPr dirty="0" err="1"/>
+              <a:t>Daten</a:t>
+            </a:r>
+            <a:r>
+              <a:rPr dirty="0"/>
+              <a:t> </a:t>
+            </a:r>
+            <a:r>
+              <a:rPr dirty="0" err="1"/>
+              <a:t>importieren</a:t>
+            </a:r>
+            <a:endParaRPr dirty="0"/>
+          </a:p>
+          <a:p>
+            <a:pPr>
+              <a:defRPr sz="3200"/>
+            </a:pPr>
+            <a:r>
+              <a:rPr dirty="0" err="1"/>
+              <a:t>Daten</a:t>
+            </a:r>
+            <a:r>
+              <a:rPr dirty="0"/>
+              <a:t> </a:t>
+            </a:r>
+            <a:r>
+              <a:rPr dirty="0" err="1"/>
+              <a:t>exportieren</a:t>
+            </a:r>
+            <a:endParaRPr lang="de-DE" dirty="0"/>
+          </a:p>
+          <a:p>
+            <a:pPr>
+              <a:defRPr sz="3200"/>
+            </a:pPr>
+            <a:r>
+              <a:rPr lang="de-DE" dirty="0"/>
+              <a:t>Hardware konfigurieren</a:t>
+            </a:r>
+          </a:p>
+          <a:p>
+            <a:pPr>
+              <a:defRPr sz="3200"/>
+            </a:pPr>
+            <a:r>
+              <a:rPr lang="de-DE" dirty="0"/>
+              <a:t>Netze erzeugen / verschalten</a:t>
+            </a:r>
+            <a:endParaRPr dirty="0"/>
+          </a:p>
+        </p:txBody>
+      </p:sp>
+    </p:spTree>
+    <p:extLst>
+      <p:ext uri="{BB962C8B-B14F-4D97-AF65-F5344CB8AC3E}">
+        <p14:creationId xmlns:p14="http://schemas.microsoft.com/office/powerpoint/2010/main" val="3448292780"/>
+      </p:ext>
+    </p:extLst>
+  </p:cSld>
+  <p:clrMapOvr>
+    <a:masterClrMapping/>
+  </p:clrMapOvr>
+  <mc:AlternateContent xmlns:mc="http://schemas.openxmlformats.org/markup-compatibility/2006" xmlns:p14="http://schemas.microsoft.com/office/powerpoint/2010/main">
+    <mc:Choice Requires="p14">
+      <p:transition spd="med">
+        <p:push/>
+      </p:transition>
+    </mc:Choice>
+    <mc:Fallback xmlns="" xmlns:m="http://schemas.openxmlformats.org/officeDocument/2006/math" xmlns:a14="http://schemas.microsoft.com/office/drawing/2010/main">
+      <p:transition spd="fast">
+        <p:fade/>
+      </p:transition>
+    </mc:Fallback>
+  </mc:AlternateContent>
+</p:sld>
+</file>
+
+<file path=ppt/slides/slide8.xml><?xml version="1.0" encoding="utf-8"?>
+<p:sld xmlns:a="http://schemas.openxmlformats.org/drawingml/2006/main" xmlns:r="http://schemas.openxmlformats.org/officeDocument/2006/relationships" xmlns:p="http://schemas.openxmlformats.org/presentationml/2006/main">
+  <p:cSld>
+    <p:spTree>
+      <p:nvGrpSpPr>
+        <p:cNvPr id="1" name=""/>
+        <p:cNvGrpSpPr/>
+        <p:nvPr/>
+      </p:nvGrpSpPr>
+      <p:grpSpPr>
+        <a:xfrm>
+          <a:off x="0" y="0"/>
+          <a:ext cx="0" cy="0"/>
+          <a:chOff x="0" y="0"/>
+          <a:chExt cx="0" cy="0"/>
+        </a:xfrm>
+      </p:grpSpPr>
+      <p:sp>
+        <p:nvSpPr>
+          <p:cNvPr id="138" name="EPLAN Electric p8…"/>
+          <p:cNvSpPr txBox="1">
+            <a:spLocks noGrp="1"/>
+          </p:cNvSpPr>
+          <p:nvPr>
+            <p:ph type="title"/>
+          </p:nvPr>
+        </p:nvSpPr>
+        <p:spPr>
+          <a:prstGeom prst="rect">
+            <a:avLst/>
+          </a:prstGeom>
+        </p:spPr>
+        <p:txBody>
+          <a:bodyPr>
+            <a:normAutofit fontScale="90000"/>
+          </a:bodyPr>
+          <a:lstStyle/>
+          <a:p>
+            <a:pPr lvl="3"/>
+            <a:r>
+              <a:rPr lang="de-DE" dirty="0"/>
+              <a:t>Siemens TIA Portal </a:t>
+            </a:r>
+            <a:r>
+              <a:rPr lang="de-DE" dirty="0" err="1"/>
+              <a:t>Openness</a:t>
+            </a:r>
+            <a:endParaRPr dirty="0"/>
+          </a:p>
+          <a:p>
+            <a:pPr>
+              <a:buClr>
+                <a:srgbClr val="535353"/>
+              </a:buClr>
+              <a:defRPr sz="3800" cap="none"/>
+            </a:pPr>
+            <a:r>
+              <a:rPr lang="de-DE" dirty="0"/>
+              <a:t>Demo : </a:t>
+            </a:r>
+            <a:r>
+              <a:rPr lang="de-DE" dirty="0" err="1"/>
+              <a:t>Openness</a:t>
             </a:r>
             <a:endParaRPr dirty="0"/>
           </a:p>
@@ -4393,6 +5145,11 @@
         </p:spPr>
       </p:pic>
     </p:spTree>
+    <p:extLst>
+      <p:ext uri="{BB962C8B-B14F-4D97-AF65-F5344CB8AC3E}">
+        <p14:creationId xmlns:p14="http://schemas.microsoft.com/office/powerpoint/2010/main" val="3472046479"/>
+      </p:ext>
+    </p:extLst>
   </p:cSld>
   <p:clrMapOvr>
     <a:masterClrMapping/>
@@ -4403,7 +5160,7 @@
         <p:push/>
       </p:transition>
     </mc:Choice>
-    <mc:Fallback xmlns:a14="http://schemas.microsoft.com/office/drawing/2010/main" xmlns:m="http://schemas.openxmlformats.org/officeDocument/2006/math" xmlns="">
+    <mc:Fallback xmlns="" xmlns:m="http://schemas.openxmlformats.org/officeDocument/2006/math" xmlns:a14="http://schemas.microsoft.com/office/drawing/2010/main">
       <p:transition spd="fast">
         <p:fade/>
       </p:transition>
@@ -4412,7 +5169,7 @@
 </p:sld>
 </file>
 
-<file path=ppt/slides/slide7.xml><?xml version="1.0" encoding="utf-8"?>
+<file path=ppt/slides/slide9.xml><?xml version="1.0" encoding="utf-8"?>
 <p:sld xmlns:a="http://schemas.openxmlformats.org/drawingml/2006/main" xmlns:r="http://schemas.openxmlformats.org/officeDocument/2006/relationships" xmlns:p="http://schemas.openxmlformats.org/presentationml/2006/main">
   <p:cSld>
     <p:spTree>
@@ -4472,6 +5229,14 @@
               <a:rPr dirty="0" err="1"/>
               <a:t>Referenzen</a:t>
             </a:r>
+            <a:r>
+              <a:rPr lang="de-DE" dirty="0"/>
+              <a:t>: </a:t>
+            </a:r>
+            <a:r>
+              <a:rPr lang="de-DE" dirty="0" err="1"/>
+              <a:t>Openness</a:t>
+            </a:r>
             <a:endParaRPr dirty="0"/>
           </a:p>
         </p:txBody>
@@ -4522,6 +5287,15 @@
               <a:defRPr sz="3200"/>
             </a:pPr>
             <a:r>
+              <a:rPr lang="de-DE" dirty="0"/>
+              <a:t>SPS-Forum</a:t>
+            </a:r>
+          </a:p>
+          <a:p>
+            <a:pPr>
+              <a:defRPr sz="3200"/>
+            </a:pPr>
+            <a:r>
               <a:rPr dirty="0" err="1"/>
               <a:t>Suplanus.de</a:t>
             </a:r>
@@ -4530,6 +5304,11 @@
         </p:txBody>
       </p:sp>
     </p:spTree>
+    <p:extLst>
+      <p:ext uri="{BB962C8B-B14F-4D97-AF65-F5344CB8AC3E}">
+        <p14:creationId xmlns:p14="http://schemas.microsoft.com/office/powerpoint/2010/main" val="2981622402"/>
+      </p:ext>
+    </p:extLst>
   </p:cSld>
   <p:clrMapOvr>
     <a:masterClrMapping/>
@@ -4540,173 +5319,7 @@
         <p:push/>
       </p:transition>
     </mc:Choice>
-    <mc:Fallback xmlns:a14="http://schemas.microsoft.com/office/drawing/2010/main" xmlns:m="http://schemas.openxmlformats.org/officeDocument/2006/math" xmlns="">
-      <p:transition spd="fast">
-        <p:fade/>
-      </p:transition>
-    </mc:Fallback>
-  </mc:AlternateContent>
-</p:sld>
-</file>
-
-<file path=ppt/slides/slide8.xml><?xml version="1.0" encoding="utf-8"?>
-<p:sld xmlns:a="http://schemas.openxmlformats.org/drawingml/2006/main" xmlns:r="http://schemas.openxmlformats.org/officeDocument/2006/relationships" xmlns:p="http://schemas.openxmlformats.org/presentationml/2006/main">
-  <p:cSld>
-    <p:spTree>
-      <p:nvGrpSpPr>
-        <p:cNvPr id="1" name=""/>
-        <p:cNvGrpSpPr/>
-        <p:nvPr/>
-      </p:nvGrpSpPr>
-      <p:grpSpPr>
-        <a:xfrm>
-          <a:off x="0" y="0"/>
-          <a:ext cx="0" cy="0"/>
-          <a:chOff x="0" y="0"/>
-          <a:chExt cx="0" cy="0"/>
-        </a:xfrm>
-      </p:grpSpPr>
-      <p:sp>
-        <p:nvSpPr>
-          <p:cNvPr id="150" name="EPLAN Electric p8…"/>
-          <p:cNvSpPr txBox="1">
-            <a:spLocks noGrp="1"/>
-          </p:cNvSpPr>
-          <p:nvPr>
-            <p:ph type="title"/>
-          </p:nvPr>
-        </p:nvSpPr>
-        <p:spPr>
-          <a:prstGeom prst="rect">
-            <a:avLst/>
-          </a:prstGeom>
-        </p:spPr>
-        <p:txBody>
-          <a:bodyPr>
-            <a:normAutofit fontScale="90000"/>
-          </a:bodyPr>
-          <a:lstStyle/>
-          <a:p>
-            <a:pPr lvl="3"/>
-            <a:r>
-              <a:rPr lang="de-DE" dirty="0"/>
-              <a:t>Siemens TIA Portal </a:t>
-            </a:r>
-            <a:r>
-              <a:rPr lang="de-DE" dirty="0" err="1"/>
-              <a:t>Openness</a:t>
-            </a:r>
-            <a:endParaRPr dirty="0"/>
-          </a:p>
-          <a:p>
-            <a:pPr>
-              <a:buClr>
-                <a:srgbClr val="535353"/>
-              </a:buClr>
-              <a:defRPr sz="3800" cap="none"/>
-            </a:pPr>
-            <a:r>
-              <a:rPr dirty="0" err="1"/>
-              <a:t>Anwendungsfälle</a:t>
-            </a:r>
-            <a:endParaRPr dirty="0"/>
-          </a:p>
-        </p:txBody>
-      </p:sp>
-      <p:sp>
-        <p:nvSpPr>
-          <p:cNvPr id="152" name="API…"/>
-          <p:cNvSpPr txBox="1"/>
-          <p:nvPr/>
-        </p:nvSpPr>
-        <p:spPr>
-          <a:xfrm>
-            <a:off x="2816573" y="2692400"/>
-            <a:ext cx="7371654" cy="6299200"/>
-          </a:xfrm>
-          <a:prstGeom prst="rect">
-            <a:avLst/>
-          </a:prstGeom>
-          <a:ln w="12700">
-            <a:miter lim="400000"/>
-          </a:ln>
-          <a:extLst>
-            <a:ext uri="{C572A759-6A51-4108-AA02-DFA0A04FC94B}">
-              <ma14:wrappingTextBoxFlag xmlns:ma14="http://schemas.microsoft.com/office/mac/drawingml/2011/main" xmlns:a14="http://schemas.microsoft.com/office/drawing/2010/main" xmlns:m="http://schemas.openxmlformats.org/officeDocument/2006/math" xmlns="" val="1"/>
-            </a:ext>
-          </a:extLst>
-        </p:spPr>
-        <p:txBody>
-          <a:bodyPr lIns="50800" tIns="50800" rIns="50800" bIns="50800" anchor="ctr">
-            <a:normAutofit/>
-          </a:bodyPr>
-          <a:lstStyle/>
-          <a:p>
-            <a:pPr marL="520700" indent="-520700" algn="l">
-              <a:lnSpc>
-                <a:spcPct val="120000"/>
-              </a:lnSpc>
-              <a:spcBef>
-                <a:spcPts val="4600"/>
-              </a:spcBef>
-              <a:buSzPct val="82000"/>
-              <a:buChar char="•"/>
-              <a:defRPr sz="3200"/>
-            </a:pPr>
-            <a:r>
-              <a:rPr lang="de-DE" dirty="0"/>
-              <a:t>Projekte automatisiert erstellen</a:t>
-            </a:r>
-          </a:p>
-          <a:p>
-            <a:pPr marL="520700" indent="-520700" algn="l">
-              <a:lnSpc>
-                <a:spcPct val="120000"/>
-              </a:lnSpc>
-              <a:spcBef>
-                <a:spcPts val="4600"/>
-              </a:spcBef>
-              <a:buSzPct val="82000"/>
-              <a:buChar char="•"/>
-              <a:defRPr sz="3200"/>
-            </a:pPr>
-            <a:r>
-              <a:rPr lang="de-DE" dirty="0"/>
-              <a:t>Daten automatisiert exportieren</a:t>
-            </a:r>
-            <a:endParaRPr dirty="0"/>
-          </a:p>
-          <a:p>
-            <a:pPr marL="520700" indent="-520700" algn="l">
-              <a:lnSpc>
-                <a:spcPct val="120000"/>
-              </a:lnSpc>
-              <a:spcBef>
-                <a:spcPts val="4600"/>
-              </a:spcBef>
-              <a:buSzPct val="82000"/>
-              <a:buChar char="•"/>
-              <a:defRPr sz="3200"/>
-            </a:pPr>
-            <a:r>
-              <a:rPr lang="de-DE" dirty="0"/>
-              <a:t>MD3</a:t>
-            </a:r>
-          </a:p>
-        </p:txBody>
-      </p:sp>
-    </p:spTree>
-  </p:cSld>
-  <p:clrMapOvr>
-    <a:masterClrMapping/>
-  </p:clrMapOvr>
-  <mc:AlternateContent xmlns:mc="http://schemas.openxmlformats.org/markup-compatibility/2006" xmlns:p14="http://schemas.microsoft.com/office/powerpoint/2010/main">
-    <mc:Choice Requires="p14">
-      <p:transition spd="med">
-        <p:push/>
-      </p:transition>
-    </mc:Choice>
-    <mc:Fallback xmlns:a14="http://schemas.microsoft.com/office/drawing/2010/main" xmlns:m="http://schemas.openxmlformats.org/officeDocument/2006/math" xmlns="">
+    <mc:Fallback xmlns="" xmlns:m="http://schemas.openxmlformats.org/officeDocument/2006/math" xmlns:a14="http://schemas.microsoft.com/office/drawing/2010/main">
       <p:transition spd="fast">
         <p:fade/>
       </p:transition>
